--- a/WEB.pptx
+++ b/WEB.pptx
@@ -8,6 +8,7 @@
     <p:sldId id="256" r:id="rId2"/>
     <p:sldId id="257" r:id="rId3"/>
     <p:sldId id="258" r:id="rId4"/>
+    <p:sldId id="259" r:id="rId5"/>
   </p:sldIdLst>
   <p:sldSz cx="12192000" cy="6858000"/>
   <p:notesSz cx="6858000" cy="9144000"/>
@@ -3040,6 +3041,13 @@
   <p:clrMapOvr>
     <a:masterClrMapping/>
   </p:clrMapOvr>
+  <p:timing>
+    <p:tnLst>
+      <p:par>
+        <p:cTn id="1" dur="indefinite" restart="never" nodeType="tmRoot"/>
+      </p:par>
+    </p:tnLst>
+  </p:timing>
 </p:sld>
 </file>
 
@@ -3093,11 +3101,7 @@
             </a:r>
             <a:r>
               <a:rPr lang="ru-RU" dirty="0" smtClean="0"/>
-              <a:t>приложение, для помощи риелторам</a:t>
-            </a:r>
-            <a:r>
-              <a:rPr lang="ru-RU" dirty="0" smtClean="0"/>
-              <a:t> в более структурированном хранении информации про свои сделки</a:t>
+              <a:t>приложение, для помощи риелторам в более структурированном хранении информации про свои сделки</a:t>
             </a:r>
           </a:p>
           <a:p>
@@ -3165,6 +3169,13 @@
   <p:clrMapOvr>
     <a:masterClrMapping/>
   </p:clrMapOvr>
+  <p:timing>
+    <p:tnLst>
+      <p:par>
+        <p:cTn id="1" dur="indefinite" restart="never" nodeType="tmRoot"/>
+      </p:par>
+    </p:tnLst>
+  </p:timing>
 </p:sld>
 </file>
 
@@ -3195,7 +3206,12 @@
             <p:ph idx="1"/>
           </p:nvPr>
         </p:nvSpPr>
-        <p:spPr/>
+        <p:spPr>
+          <a:xfrm>
+            <a:off x="846513" y="1343486"/>
+            <a:ext cx="10515600" cy="4351338"/>
+          </a:xfrm>
+        </p:spPr>
         <p:txBody>
           <a:bodyPr/>
           <a:lstStyle/>
@@ -3269,6 +3285,184 @@
   <p:clrMapOvr>
     <a:masterClrMapping/>
   </p:clrMapOvr>
+  <p:timing>
+    <p:tnLst>
+      <p:par>
+        <p:cTn id="1" dur="indefinite" restart="never" nodeType="tmRoot"/>
+      </p:par>
+    </p:tnLst>
+  </p:timing>
+</p:sld>
+</file>
+
+<file path=ppt/slides/slide4.xml><?xml version="1.0" encoding="utf-8"?>
+<p:sld xmlns:a="http://schemas.openxmlformats.org/drawingml/2006/main" xmlns:r="http://schemas.openxmlformats.org/officeDocument/2006/relationships" xmlns:p="http://schemas.openxmlformats.org/presentationml/2006/main">
+  <p:cSld>
+    <p:spTree>
+      <p:nvGrpSpPr>
+        <p:cNvPr id="1" name=""/>
+        <p:cNvGrpSpPr/>
+        <p:nvPr/>
+      </p:nvGrpSpPr>
+      <p:grpSpPr>
+        <a:xfrm>
+          <a:off x="0" y="0"/>
+          <a:ext cx="0" cy="0"/>
+          <a:chOff x="0" y="0"/>
+          <a:chExt cx="0" cy="0"/>
+        </a:xfrm>
+      </p:grpSpPr>
+      <p:sp>
+        <p:nvSpPr>
+          <p:cNvPr id="2" name="Заголовок 1"/>
+          <p:cNvSpPr>
+            <a:spLocks noGrp="1"/>
+          </p:cNvSpPr>
+          <p:nvPr>
+            <p:ph type="title"/>
+          </p:nvPr>
+        </p:nvSpPr>
+        <p:spPr/>
+        <p:txBody>
+          <a:bodyPr/>
+          <a:lstStyle/>
+          <a:p>
+            <a:endParaRPr lang="ru-RU" dirty="0"/>
+          </a:p>
+        </p:txBody>
+      </p:sp>
+      <p:sp>
+        <p:nvSpPr>
+          <p:cNvPr id="3" name="Объект 2"/>
+          <p:cNvSpPr>
+            <a:spLocks noGrp="1"/>
+          </p:cNvSpPr>
+          <p:nvPr>
+            <p:ph idx="1"/>
+          </p:nvPr>
+        </p:nvSpPr>
+        <p:spPr/>
+        <p:txBody>
+          <a:bodyPr/>
+          <a:lstStyle/>
+          <a:p>
+            <a:endParaRPr lang="ru-RU"/>
+          </a:p>
+        </p:txBody>
+      </p:sp>
+      <p:pic>
+        <p:nvPicPr>
+          <p:cNvPr id="1026" name="Picture 2" descr="https://dobrogoutra2.ru/imgbig/dobrogoutra_ru_208.jpg"/>
+          <p:cNvPicPr>
+            <a:picLocks noChangeAspect="1" noChangeArrowheads="1"/>
+          </p:cNvPicPr>
+          <p:nvPr/>
+        </p:nvPicPr>
+        <p:blipFill>
+          <a:blip r:embed="rId2">
+            <a:extLst>
+              <a:ext uri="{28A0092B-C50C-407E-A947-70E740481C1C}">
+                <a14:useLocalDpi xmlns:a14="http://schemas.microsoft.com/office/drawing/2010/main" val="0"/>
+              </a:ext>
+            </a:extLst>
+          </a:blip>
+          <a:srcRect/>
+          <a:stretch>
+            <a:fillRect/>
+          </a:stretch>
+        </p:blipFill>
+        <p:spPr bwMode="auto">
+          <a:xfrm>
+            <a:off x="3541643" y="3125585"/>
+            <a:ext cx="4656147" cy="3363438"/>
+          </a:xfrm>
+          <a:prstGeom prst="rect">
+            <a:avLst/>
+          </a:prstGeom>
+          <a:noFill/>
+          <a:extLst>
+            <a:ext uri="{909E8E84-426E-40DD-AFC4-6F175D3DCCD1}">
+              <a14:hiddenFill xmlns:a14="http://schemas.microsoft.com/office/drawing/2010/main">
+                <a:solidFill>
+                  <a:srgbClr val="FFFFFF"/>
+                </a:solidFill>
+              </a14:hiddenFill>
+            </a:ext>
+          </a:extLst>
+        </p:spPr>
+      </p:pic>
+      <p:sp>
+        <p:nvSpPr>
+          <p:cNvPr id="4" name="Прямоугольник 3"/>
+          <p:cNvSpPr/>
+          <p:nvPr/>
+        </p:nvSpPr>
+        <p:spPr>
+          <a:xfrm>
+            <a:off x="2592215" y="2067318"/>
+            <a:ext cx="6555001" cy="923330"/>
+          </a:xfrm>
+          <a:prstGeom prst="rect">
+            <a:avLst/>
+          </a:prstGeom>
+          <a:noFill/>
+        </p:spPr>
+        <p:txBody>
+          <a:bodyPr wrap="none" lIns="91440" tIns="45720" rIns="91440" bIns="45720">
+            <a:spAutoFit/>
+          </a:bodyPr>
+          <a:lstStyle/>
+          <a:p>
+            <a:pPr algn="ctr"/>
+            <a:r>
+              <a:rPr lang="ru-RU" sz="5400" b="0" cap="none" spc="0" dirty="0" smtClean="0">
+                <a:ln w="0"/>
+                <a:solidFill>
+                  <a:schemeClr val="tx1"/>
+                </a:solidFill>
+                <a:effectLst>
+                  <a:outerShdw blurRad="38100" dist="19050" dir="2700000" algn="tl" rotWithShape="0">
+                    <a:schemeClr val="dk1">
+                      <a:alpha val="40000"/>
+                    </a:schemeClr>
+                  </a:outerShdw>
+                </a:effectLst>
+              </a:rPr>
+              <a:t>Спасибо за внимание</a:t>
+            </a:r>
+            <a:endParaRPr lang="ru-RU" sz="5400" b="0" cap="none" spc="0" dirty="0">
+              <a:ln w="0"/>
+              <a:solidFill>
+                <a:schemeClr val="tx1"/>
+              </a:solidFill>
+              <a:effectLst>
+                <a:outerShdw blurRad="38100" dist="19050" dir="2700000" algn="tl" rotWithShape="0">
+                  <a:schemeClr val="dk1">
+                    <a:alpha val="40000"/>
+                  </a:schemeClr>
+                </a:outerShdw>
+              </a:effectLst>
+            </a:endParaRPr>
+          </a:p>
+        </p:txBody>
+      </p:sp>
+    </p:spTree>
+    <p:extLst>
+      <p:ext uri="{BB962C8B-B14F-4D97-AF65-F5344CB8AC3E}">
+        <p14:creationId xmlns:p14="http://schemas.microsoft.com/office/powerpoint/2010/main" val="3715796202"/>
+      </p:ext>
+    </p:extLst>
+  </p:cSld>
+  <p:clrMapOvr>
+    <a:masterClrMapping/>
+  </p:clrMapOvr>
+  <p:timing>
+    <p:tnLst>
+      <p:par>
+        <p:cTn id="1" dur="indefinite" restart="never" nodeType="tmRoot"/>
+      </p:par>
+    </p:tnLst>
+  </p:timing>
 </p:sld>
 </file>
 
